--- a/src/images/design.pptx
+++ b/src/images/design.pptx
@@ -8,11 +8,12 @@
     <p:sldId id="256" r:id="rId2"/>
     <p:sldId id="257" r:id="rId3"/>
     <p:sldId id="259" r:id="rId4"/>
-    <p:sldId id="260" r:id="rId5"/>
-    <p:sldId id="261" r:id="rId6"/>
-    <p:sldId id="262" r:id="rId7"/>
-    <p:sldId id="263" r:id="rId8"/>
-    <p:sldId id="264" r:id="rId9"/>
+    <p:sldId id="265" r:id="rId5"/>
+    <p:sldId id="260" r:id="rId6"/>
+    <p:sldId id="261" r:id="rId7"/>
+    <p:sldId id="262" r:id="rId8"/>
+    <p:sldId id="263" r:id="rId9"/>
+    <p:sldId id="264" r:id="rId10"/>
   </p:sldIdLst>
   <p:sldSz cx="12192000" cy="6858000"/>
   <p:notesSz cx="6858000" cy="9144000"/>
@@ -266,7 +267,7 @@
           <a:p>
             <a:fld id="{E5B6B695-4F68-40B0-A89F-E7D295EE7BE1}" type="datetimeFigureOut">
               <a:rPr lang="en-US" smtClean="0"/>
-              <a:t>11/3/2022</a:t>
+              <a:t>11/5/2022</a:t>
             </a:fld>
             <a:endParaRPr lang="en-US"/>
           </a:p>
@@ -464,7 +465,7 @@
           <a:p>
             <a:fld id="{E5B6B695-4F68-40B0-A89F-E7D295EE7BE1}" type="datetimeFigureOut">
               <a:rPr lang="en-US" smtClean="0"/>
-              <a:t>11/3/2022</a:t>
+              <a:t>11/5/2022</a:t>
             </a:fld>
             <a:endParaRPr lang="en-US"/>
           </a:p>
@@ -672,7 +673,7 @@
           <a:p>
             <a:fld id="{E5B6B695-4F68-40B0-A89F-E7D295EE7BE1}" type="datetimeFigureOut">
               <a:rPr lang="en-US" smtClean="0"/>
-              <a:t>11/3/2022</a:t>
+              <a:t>11/5/2022</a:t>
             </a:fld>
             <a:endParaRPr lang="en-US"/>
           </a:p>
@@ -870,7 +871,7 @@
           <a:p>
             <a:fld id="{E5B6B695-4F68-40B0-A89F-E7D295EE7BE1}" type="datetimeFigureOut">
               <a:rPr lang="en-US" smtClean="0"/>
-              <a:t>11/3/2022</a:t>
+              <a:t>11/5/2022</a:t>
             </a:fld>
             <a:endParaRPr lang="en-US"/>
           </a:p>
@@ -1145,7 +1146,7 @@
           <a:p>
             <a:fld id="{E5B6B695-4F68-40B0-A89F-E7D295EE7BE1}" type="datetimeFigureOut">
               <a:rPr lang="en-US" smtClean="0"/>
-              <a:t>11/3/2022</a:t>
+              <a:t>11/5/2022</a:t>
             </a:fld>
             <a:endParaRPr lang="en-US"/>
           </a:p>
@@ -1410,7 +1411,7 @@
           <a:p>
             <a:fld id="{E5B6B695-4F68-40B0-A89F-E7D295EE7BE1}" type="datetimeFigureOut">
               <a:rPr lang="en-US" smtClean="0"/>
-              <a:t>11/3/2022</a:t>
+              <a:t>11/5/2022</a:t>
             </a:fld>
             <a:endParaRPr lang="en-US"/>
           </a:p>
@@ -1822,7 +1823,7 @@
           <a:p>
             <a:fld id="{E5B6B695-4F68-40B0-A89F-E7D295EE7BE1}" type="datetimeFigureOut">
               <a:rPr lang="en-US" smtClean="0"/>
-              <a:t>11/3/2022</a:t>
+              <a:t>11/5/2022</a:t>
             </a:fld>
             <a:endParaRPr lang="en-US"/>
           </a:p>
@@ -1963,7 +1964,7 @@
           <a:p>
             <a:fld id="{E5B6B695-4F68-40B0-A89F-E7D295EE7BE1}" type="datetimeFigureOut">
               <a:rPr lang="en-US" smtClean="0"/>
-              <a:t>11/3/2022</a:t>
+              <a:t>11/5/2022</a:t>
             </a:fld>
             <a:endParaRPr lang="en-US"/>
           </a:p>
@@ -2076,7 +2077,7 @@
           <a:p>
             <a:fld id="{E5B6B695-4F68-40B0-A89F-E7D295EE7BE1}" type="datetimeFigureOut">
               <a:rPr lang="en-US" smtClean="0"/>
-              <a:t>11/3/2022</a:t>
+              <a:t>11/5/2022</a:t>
             </a:fld>
             <a:endParaRPr lang="en-US"/>
           </a:p>
@@ -2387,7 +2388,7 @@
           <a:p>
             <a:fld id="{E5B6B695-4F68-40B0-A89F-E7D295EE7BE1}" type="datetimeFigureOut">
               <a:rPr lang="en-US" smtClean="0"/>
-              <a:t>11/3/2022</a:t>
+              <a:t>11/5/2022</a:t>
             </a:fld>
             <a:endParaRPr lang="en-US"/>
           </a:p>
@@ -2675,7 +2676,7 @@
           <a:p>
             <a:fld id="{E5B6B695-4F68-40B0-A89F-E7D295EE7BE1}" type="datetimeFigureOut">
               <a:rPr lang="en-US" smtClean="0"/>
-              <a:t>11/3/2022</a:t>
+              <a:t>11/5/2022</a:t>
             </a:fld>
             <a:endParaRPr lang="en-US"/>
           </a:p>
@@ -2916,7 +2917,7 @@
           <a:p>
             <a:fld id="{E5B6B695-4F68-40B0-A89F-E7D295EE7BE1}" type="datetimeFigureOut">
               <a:rPr lang="en-US" smtClean="0"/>
-              <a:t>11/3/2022</a:t>
+              <a:t>11/5/2022</a:t>
             </a:fld>
             <a:endParaRPr lang="en-US"/>
           </a:p>
@@ -4950,6 +4951,1828 @@
 </file>
 
 <file path=ppt/slides/slide4.xml><?xml version="1.0" encoding="utf-8"?>
+<p:sld xmlns:a="http://schemas.openxmlformats.org/drawingml/2006/main" xmlns:r="http://schemas.openxmlformats.org/officeDocument/2006/relationships" xmlns:p="http://schemas.openxmlformats.org/presentationml/2006/main">
+  <p:cSld>
+    <p:spTree>
+      <p:nvGrpSpPr>
+        <p:cNvPr id="1" name=""/>
+        <p:cNvGrpSpPr/>
+        <p:nvPr/>
+      </p:nvGrpSpPr>
+      <p:grpSpPr>
+        <a:xfrm>
+          <a:off x="0" y="0"/>
+          <a:ext cx="0" cy="0"/>
+          <a:chOff x="0" y="0"/>
+          <a:chExt cx="0" cy="0"/>
+        </a:xfrm>
+      </p:grpSpPr>
+      <p:sp>
+        <p:nvSpPr>
+          <p:cNvPr id="4" name="Rectangle 3">
+            <a:extLst>
+              <a:ext uri="{FF2B5EF4-FFF2-40B4-BE49-F238E27FC236}">
+                <a16:creationId xmlns:a16="http://schemas.microsoft.com/office/drawing/2014/main" id="{68B9D5F2-C79D-6B70-B30B-A5CC49ED0FAB}"/>
+              </a:ext>
+            </a:extLst>
+          </p:cNvPr>
+          <p:cNvSpPr/>
+          <p:nvPr/>
+        </p:nvSpPr>
+        <p:spPr>
+          <a:xfrm>
+            <a:off x="4518869" y="520117"/>
+            <a:ext cx="3154261" cy="5670958"/>
+          </a:xfrm>
+          <a:prstGeom prst="rect">
+            <a:avLst/>
+          </a:prstGeom>
+        </p:spPr>
+        <p:style>
+          <a:lnRef idx="2">
+            <a:schemeClr val="accent2"/>
+          </a:lnRef>
+          <a:fillRef idx="1">
+            <a:schemeClr val="lt1"/>
+          </a:fillRef>
+          <a:effectRef idx="0">
+            <a:schemeClr val="accent2"/>
+          </a:effectRef>
+          <a:fontRef idx="minor">
+            <a:schemeClr val="dk1"/>
+          </a:fontRef>
+        </p:style>
+        <p:txBody>
+          <a:bodyPr rtlCol="0" anchor="ctr"/>
+          <a:lstStyle/>
+          <a:p>
+            <a:pPr algn="ctr"/>
+            <a:endParaRPr lang="en-US"/>
+          </a:p>
+        </p:txBody>
+      </p:sp>
+      <p:cxnSp>
+        <p:nvCxnSpPr>
+          <p:cNvPr id="6" name="Straight Connector 5">
+            <a:extLst>
+              <a:ext uri="{FF2B5EF4-FFF2-40B4-BE49-F238E27FC236}">
+                <a16:creationId xmlns:a16="http://schemas.microsoft.com/office/drawing/2014/main" id="{0DE4648A-A1D5-E88E-B028-CF2A14B73068}"/>
+              </a:ext>
+            </a:extLst>
+          </p:cNvPr>
+          <p:cNvCxnSpPr/>
+          <p:nvPr/>
+        </p:nvCxnSpPr>
+        <p:spPr>
+          <a:xfrm>
+            <a:off x="4689446" y="755009"/>
+            <a:ext cx="260059" cy="0"/>
+          </a:xfrm>
+          <a:prstGeom prst="line">
+            <a:avLst/>
+          </a:prstGeom>
+        </p:spPr>
+        <p:style>
+          <a:lnRef idx="1">
+            <a:schemeClr val="accent1"/>
+          </a:lnRef>
+          <a:fillRef idx="0">
+            <a:schemeClr val="accent1"/>
+          </a:fillRef>
+          <a:effectRef idx="0">
+            <a:schemeClr val="accent1"/>
+          </a:effectRef>
+          <a:fontRef idx="minor">
+            <a:schemeClr val="tx1"/>
+          </a:fontRef>
+        </p:style>
+      </p:cxnSp>
+      <p:cxnSp>
+        <p:nvCxnSpPr>
+          <p:cNvPr id="7" name="Straight Connector 6">
+            <a:extLst>
+              <a:ext uri="{FF2B5EF4-FFF2-40B4-BE49-F238E27FC236}">
+                <a16:creationId xmlns:a16="http://schemas.microsoft.com/office/drawing/2014/main" id="{0ED4F4A8-6F60-8923-C41E-504FD8F2CE9F}"/>
+              </a:ext>
+            </a:extLst>
+          </p:cNvPr>
+          <p:cNvCxnSpPr/>
+          <p:nvPr/>
+        </p:nvCxnSpPr>
+        <p:spPr>
+          <a:xfrm>
+            <a:off x="4699233" y="857075"/>
+            <a:ext cx="260059" cy="0"/>
+          </a:xfrm>
+          <a:prstGeom prst="line">
+            <a:avLst/>
+          </a:prstGeom>
+        </p:spPr>
+        <p:style>
+          <a:lnRef idx="1">
+            <a:schemeClr val="accent1"/>
+          </a:lnRef>
+          <a:fillRef idx="0">
+            <a:schemeClr val="accent1"/>
+          </a:fillRef>
+          <a:effectRef idx="0">
+            <a:schemeClr val="accent1"/>
+          </a:effectRef>
+          <a:fontRef idx="minor">
+            <a:schemeClr val="tx1"/>
+          </a:fontRef>
+        </p:style>
+      </p:cxnSp>
+      <p:cxnSp>
+        <p:nvCxnSpPr>
+          <p:cNvPr id="8" name="Straight Connector 7">
+            <a:extLst>
+              <a:ext uri="{FF2B5EF4-FFF2-40B4-BE49-F238E27FC236}">
+                <a16:creationId xmlns:a16="http://schemas.microsoft.com/office/drawing/2014/main" id="{A59E3D91-0AD4-C2DA-9E94-81BD8F8290B4}"/>
+              </a:ext>
+            </a:extLst>
+          </p:cNvPr>
+          <p:cNvCxnSpPr/>
+          <p:nvPr/>
+        </p:nvCxnSpPr>
+        <p:spPr>
+          <a:xfrm>
+            <a:off x="4707622" y="966132"/>
+            <a:ext cx="260059" cy="0"/>
+          </a:xfrm>
+          <a:prstGeom prst="line">
+            <a:avLst/>
+          </a:prstGeom>
+        </p:spPr>
+        <p:style>
+          <a:lnRef idx="1">
+            <a:schemeClr val="accent1"/>
+          </a:lnRef>
+          <a:fillRef idx="0">
+            <a:schemeClr val="accent1"/>
+          </a:fillRef>
+          <a:effectRef idx="0">
+            <a:schemeClr val="accent1"/>
+          </a:effectRef>
+          <a:fontRef idx="minor">
+            <a:schemeClr val="tx1"/>
+          </a:fontRef>
+        </p:style>
+      </p:cxnSp>
+      <p:sp>
+        <p:nvSpPr>
+          <p:cNvPr id="9" name="TextBox 8">
+            <a:extLst>
+              <a:ext uri="{FF2B5EF4-FFF2-40B4-BE49-F238E27FC236}">
+                <a16:creationId xmlns:a16="http://schemas.microsoft.com/office/drawing/2014/main" id="{059691DF-B3B2-9464-8297-0D50FFBC22BE}"/>
+              </a:ext>
+            </a:extLst>
+          </p:cNvPr>
+          <p:cNvSpPr txBox="1"/>
+          <p:nvPr/>
+        </p:nvSpPr>
+        <p:spPr>
+          <a:xfrm>
+            <a:off x="4047259" y="6334869"/>
+            <a:ext cx="4031082" cy="369332"/>
+          </a:xfrm>
+          <a:prstGeom prst="rect">
+            <a:avLst/>
+          </a:prstGeom>
+          <a:noFill/>
+        </p:spPr>
+        <p:txBody>
+          <a:bodyPr wrap="square" rtlCol="0">
+            <a:spAutoFit/>
+          </a:bodyPr>
+          <a:lstStyle/>
+          <a:p>
+            <a:pPr algn="ctr"/>
+            <a:r>
+              <a:rPr lang="en-US" dirty="0"/>
+              <a:t>Tournament Page(Scrollable)</a:t>
+            </a:r>
+          </a:p>
+        </p:txBody>
+      </p:sp>
+      <p:sp>
+        <p:nvSpPr>
+          <p:cNvPr id="2" name="Rectangle 1">
+            <a:extLst>
+              <a:ext uri="{FF2B5EF4-FFF2-40B4-BE49-F238E27FC236}">
+                <a16:creationId xmlns:a16="http://schemas.microsoft.com/office/drawing/2014/main" id="{CC50C259-AEFC-7979-62B1-A201885F1870}"/>
+              </a:ext>
+            </a:extLst>
+          </p:cNvPr>
+          <p:cNvSpPr/>
+          <p:nvPr/>
+        </p:nvSpPr>
+        <p:spPr>
+          <a:xfrm>
+            <a:off x="4518869" y="5645791"/>
+            <a:ext cx="3154261" cy="545281"/>
+          </a:xfrm>
+          <a:prstGeom prst="rect">
+            <a:avLst/>
+          </a:prstGeom>
+        </p:spPr>
+        <p:style>
+          <a:lnRef idx="1">
+            <a:schemeClr val="accent3"/>
+          </a:lnRef>
+          <a:fillRef idx="2">
+            <a:schemeClr val="accent3"/>
+          </a:fillRef>
+          <a:effectRef idx="1">
+            <a:schemeClr val="accent3"/>
+          </a:effectRef>
+          <a:fontRef idx="minor">
+            <a:schemeClr val="dk1"/>
+          </a:fontRef>
+        </p:style>
+        <p:txBody>
+          <a:bodyPr rtlCol="0" anchor="ctr"/>
+          <a:lstStyle/>
+          <a:p>
+            <a:pPr algn="ctr"/>
+            <a:endParaRPr lang="en-US"/>
+          </a:p>
+        </p:txBody>
+      </p:sp>
+      <p:sp>
+        <p:nvSpPr>
+          <p:cNvPr id="3" name="TextBox 2">
+            <a:extLst>
+              <a:ext uri="{FF2B5EF4-FFF2-40B4-BE49-F238E27FC236}">
+                <a16:creationId xmlns:a16="http://schemas.microsoft.com/office/drawing/2014/main" id="{CA3D46C6-379F-1DF8-0E5F-3C25CF3CF137}"/>
+              </a:ext>
+            </a:extLst>
+          </p:cNvPr>
+          <p:cNvSpPr txBox="1"/>
+          <p:nvPr/>
+        </p:nvSpPr>
+        <p:spPr>
+          <a:xfrm>
+            <a:off x="4564659" y="5795317"/>
+            <a:ext cx="556466" cy="246221"/>
+          </a:xfrm>
+          <a:prstGeom prst="rect">
+            <a:avLst/>
+          </a:prstGeom>
+          <a:solidFill>
+            <a:srgbClr val="FFFF00"/>
+          </a:solidFill>
+        </p:spPr>
+        <p:txBody>
+          <a:bodyPr wrap="square" rtlCol="0">
+            <a:spAutoFit/>
+          </a:bodyPr>
+          <a:lstStyle/>
+          <a:p>
+            <a:r>
+              <a:rPr lang="en-US" sz="1000" dirty="0"/>
+              <a:t>Images</a:t>
+            </a:r>
+          </a:p>
+        </p:txBody>
+      </p:sp>
+      <p:sp>
+        <p:nvSpPr>
+          <p:cNvPr id="5" name="TextBox 4">
+            <a:extLst>
+              <a:ext uri="{FF2B5EF4-FFF2-40B4-BE49-F238E27FC236}">
+                <a16:creationId xmlns:a16="http://schemas.microsoft.com/office/drawing/2014/main" id="{C041FAD6-BD26-2BB9-EB5E-8D6A549B565A}"/>
+              </a:ext>
+            </a:extLst>
+          </p:cNvPr>
+          <p:cNvSpPr txBox="1"/>
+          <p:nvPr/>
+        </p:nvSpPr>
+        <p:spPr>
+          <a:xfrm>
+            <a:off x="5048083" y="5795317"/>
+            <a:ext cx="545984" cy="246221"/>
+          </a:xfrm>
+          <a:prstGeom prst="rect">
+            <a:avLst/>
+          </a:prstGeom>
+          <a:noFill/>
+        </p:spPr>
+        <p:txBody>
+          <a:bodyPr wrap="square" rtlCol="0">
+            <a:spAutoFit/>
+          </a:bodyPr>
+          <a:lstStyle/>
+          <a:p>
+            <a:r>
+              <a:rPr lang="en-US" sz="1000" dirty="0"/>
+              <a:t>Fixture</a:t>
+            </a:r>
+          </a:p>
+        </p:txBody>
+      </p:sp>
+      <p:sp>
+        <p:nvSpPr>
+          <p:cNvPr id="10" name="TextBox 9">
+            <a:extLst>
+              <a:ext uri="{FF2B5EF4-FFF2-40B4-BE49-F238E27FC236}">
+                <a16:creationId xmlns:a16="http://schemas.microsoft.com/office/drawing/2014/main" id="{2E24A3CA-C0C1-D935-1197-A25C8796758B}"/>
+              </a:ext>
+            </a:extLst>
+          </p:cNvPr>
+          <p:cNvSpPr txBox="1"/>
+          <p:nvPr/>
+        </p:nvSpPr>
+        <p:spPr>
+          <a:xfrm>
+            <a:off x="5539535" y="5795320"/>
+            <a:ext cx="556466" cy="246221"/>
+          </a:xfrm>
+          <a:prstGeom prst="rect">
+            <a:avLst/>
+          </a:prstGeom>
+          <a:noFill/>
+        </p:spPr>
+        <p:txBody>
+          <a:bodyPr wrap="square" rtlCol="0">
+            <a:spAutoFit/>
+          </a:bodyPr>
+          <a:lstStyle/>
+          <a:p>
+            <a:r>
+              <a:rPr lang="en-US" sz="1000" dirty="0"/>
+              <a:t>Players</a:t>
+            </a:r>
+          </a:p>
+        </p:txBody>
+      </p:sp>
+      <p:sp>
+        <p:nvSpPr>
+          <p:cNvPr id="11" name="TextBox 10">
+            <a:extLst>
+              <a:ext uri="{FF2B5EF4-FFF2-40B4-BE49-F238E27FC236}">
+                <a16:creationId xmlns:a16="http://schemas.microsoft.com/office/drawing/2014/main" id="{69B9CB51-9360-26EA-5310-FFD3F7B123D6}"/>
+              </a:ext>
+            </a:extLst>
+          </p:cNvPr>
+          <p:cNvSpPr txBox="1"/>
+          <p:nvPr/>
+        </p:nvSpPr>
+        <p:spPr>
+          <a:xfrm>
+            <a:off x="6086218" y="5795317"/>
+            <a:ext cx="726344" cy="246221"/>
+          </a:xfrm>
+          <a:prstGeom prst="rect">
+            <a:avLst/>
+          </a:prstGeom>
+          <a:noFill/>
+        </p:spPr>
+        <p:txBody>
+          <a:bodyPr wrap="square" rtlCol="0">
+            <a:spAutoFit/>
+          </a:bodyPr>
+          <a:lstStyle/>
+          <a:p>
+            <a:r>
+              <a:rPr lang="en-US" sz="1000" dirty="0"/>
+              <a:t>Rules</a:t>
+            </a:r>
+          </a:p>
+        </p:txBody>
+      </p:sp>
+      <p:sp>
+        <p:nvSpPr>
+          <p:cNvPr id="12" name="TextBox 11">
+            <a:extLst>
+              <a:ext uri="{FF2B5EF4-FFF2-40B4-BE49-F238E27FC236}">
+                <a16:creationId xmlns:a16="http://schemas.microsoft.com/office/drawing/2014/main" id="{543E76AC-6FDC-1CD9-8BC4-B684449E0652}"/>
+              </a:ext>
+            </a:extLst>
+          </p:cNvPr>
+          <p:cNvSpPr txBox="1"/>
+          <p:nvPr/>
+        </p:nvSpPr>
+        <p:spPr>
+          <a:xfrm>
+            <a:off x="6634995" y="5795320"/>
+            <a:ext cx="545984" cy="246221"/>
+          </a:xfrm>
+          <a:prstGeom prst="rect">
+            <a:avLst/>
+          </a:prstGeom>
+          <a:noFill/>
+        </p:spPr>
+        <p:txBody>
+          <a:bodyPr wrap="square" rtlCol="0">
+            <a:spAutoFit/>
+          </a:bodyPr>
+          <a:lstStyle/>
+          <a:p>
+            <a:r>
+              <a:rPr lang="en-US" sz="1000" dirty="0"/>
+              <a:t>Teams</a:t>
+            </a:r>
+          </a:p>
+        </p:txBody>
+      </p:sp>
+      <p:sp>
+        <p:nvSpPr>
+          <p:cNvPr id="13" name="TextBox 12">
+            <a:extLst>
+              <a:ext uri="{FF2B5EF4-FFF2-40B4-BE49-F238E27FC236}">
+                <a16:creationId xmlns:a16="http://schemas.microsoft.com/office/drawing/2014/main" id="{6DA5FF5B-E2CC-A764-77AB-0EF3D34955BA}"/>
+              </a:ext>
+            </a:extLst>
+          </p:cNvPr>
+          <p:cNvSpPr txBox="1"/>
+          <p:nvPr/>
+        </p:nvSpPr>
+        <p:spPr>
+          <a:xfrm>
+            <a:off x="7159832" y="5795317"/>
+            <a:ext cx="485163" cy="246221"/>
+          </a:xfrm>
+          <a:prstGeom prst="rect">
+            <a:avLst/>
+          </a:prstGeom>
+          <a:noFill/>
+        </p:spPr>
+        <p:txBody>
+          <a:bodyPr wrap="square" rtlCol="0">
+            <a:spAutoFit/>
+          </a:bodyPr>
+          <a:lstStyle/>
+          <a:p>
+            <a:r>
+              <a:rPr lang="en-US" sz="1000" dirty="0"/>
+              <a:t>Score</a:t>
+            </a:r>
+          </a:p>
+        </p:txBody>
+      </p:sp>
+      <p:sp>
+        <p:nvSpPr>
+          <p:cNvPr id="24" name="Rectangle: Rounded Corners 23">
+            <a:extLst>
+              <a:ext uri="{FF2B5EF4-FFF2-40B4-BE49-F238E27FC236}">
+                <a16:creationId xmlns:a16="http://schemas.microsoft.com/office/drawing/2014/main" id="{6DC72830-0151-3B49-699E-454C70935E4F}"/>
+              </a:ext>
+            </a:extLst>
+          </p:cNvPr>
+          <p:cNvSpPr/>
+          <p:nvPr/>
+        </p:nvSpPr>
+        <p:spPr>
+          <a:xfrm>
+            <a:off x="7566870" y="1090572"/>
+            <a:ext cx="86514" cy="1618944"/>
+          </a:xfrm>
+          <a:prstGeom prst="roundRect">
+            <a:avLst/>
+          </a:prstGeom>
+          <a:solidFill>
+            <a:schemeClr val="bg1">
+              <a:lumMod val="65000"/>
+            </a:schemeClr>
+          </a:solidFill>
+        </p:spPr>
+        <p:style>
+          <a:lnRef idx="2">
+            <a:schemeClr val="accent1">
+              <a:shade val="50000"/>
+            </a:schemeClr>
+          </a:lnRef>
+          <a:fillRef idx="1">
+            <a:schemeClr val="accent1"/>
+          </a:fillRef>
+          <a:effectRef idx="0">
+            <a:schemeClr val="accent1"/>
+          </a:effectRef>
+          <a:fontRef idx="minor">
+            <a:schemeClr val="lt1"/>
+          </a:fontRef>
+        </p:style>
+        <p:txBody>
+          <a:bodyPr rtlCol="0" anchor="ctr"/>
+          <a:lstStyle/>
+          <a:p>
+            <a:pPr algn="ctr"/>
+            <a:endParaRPr lang="en-US"/>
+          </a:p>
+        </p:txBody>
+      </p:sp>
+      <p:sp>
+        <p:nvSpPr>
+          <p:cNvPr id="35" name="TextBox 34">
+            <a:extLst>
+              <a:ext uri="{FF2B5EF4-FFF2-40B4-BE49-F238E27FC236}">
+                <a16:creationId xmlns:a16="http://schemas.microsoft.com/office/drawing/2014/main" id="{888E7569-348C-6940-D66C-7F3468B3DE39}"/>
+              </a:ext>
+            </a:extLst>
+          </p:cNvPr>
+          <p:cNvSpPr txBox="1"/>
+          <p:nvPr/>
+        </p:nvSpPr>
+        <p:spPr>
+          <a:xfrm>
+            <a:off x="8604610" y="1900045"/>
+            <a:ext cx="2737306" cy="400110"/>
+          </a:xfrm>
+          <a:prstGeom prst="rect">
+            <a:avLst/>
+          </a:prstGeom>
+          <a:noFill/>
+        </p:spPr>
+        <p:txBody>
+          <a:bodyPr wrap="square" rtlCol="0">
+            <a:spAutoFit/>
+          </a:bodyPr>
+          <a:lstStyle/>
+          <a:p>
+            <a:r>
+              <a:rPr lang="en-US" sz="1000" b="1" dirty="0"/>
+              <a:t>Practice matches of tournament in announcements section</a:t>
+            </a:r>
+          </a:p>
+        </p:txBody>
+      </p:sp>
+      <p:sp>
+        <p:nvSpPr>
+          <p:cNvPr id="14" name="TextBox 13">
+            <a:extLst>
+              <a:ext uri="{FF2B5EF4-FFF2-40B4-BE49-F238E27FC236}">
+                <a16:creationId xmlns:a16="http://schemas.microsoft.com/office/drawing/2014/main" id="{3B03B419-7A52-CEE7-F4EC-EF99AED72BB4}"/>
+              </a:ext>
+            </a:extLst>
+          </p:cNvPr>
+          <p:cNvSpPr txBox="1"/>
+          <p:nvPr/>
+        </p:nvSpPr>
+        <p:spPr>
+          <a:xfrm>
+            <a:off x="8604610" y="3026029"/>
+            <a:ext cx="2737306" cy="400110"/>
+          </a:xfrm>
+          <a:prstGeom prst="rect">
+            <a:avLst/>
+          </a:prstGeom>
+          <a:noFill/>
+        </p:spPr>
+        <p:txBody>
+          <a:bodyPr wrap="square" rtlCol="0">
+            <a:spAutoFit/>
+          </a:bodyPr>
+          <a:lstStyle/>
+          <a:p>
+            <a:r>
+              <a:rPr lang="en-US" sz="1000" b="1" dirty="0"/>
+              <a:t>Players inside main drawer menu as </a:t>
+            </a:r>
+            <a:r>
+              <a:rPr lang="en-US" sz="1000" b="1" dirty="0" err="1"/>
+              <a:t>playera</a:t>
+            </a:r>
+            <a:r>
+              <a:rPr lang="en-US" sz="1000" b="1" dirty="0"/>
+              <a:t> always play</a:t>
+            </a:r>
+          </a:p>
+        </p:txBody>
+      </p:sp>
+      <p:grpSp>
+        <p:nvGrpSpPr>
+          <p:cNvPr id="66" name="Group 65">
+            <a:extLst>
+              <a:ext uri="{FF2B5EF4-FFF2-40B4-BE49-F238E27FC236}">
+                <a16:creationId xmlns:a16="http://schemas.microsoft.com/office/drawing/2014/main" id="{45585EA7-202B-43FC-C10A-F942AFBBF2AB}"/>
+              </a:ext>
+            </a:extLst>
+          </p:cNvPr>
+          <p:cNvGrpSpPr/>
+          <p:nvPr/>
+        </p:nvGrpSpPr>
+        <p:grpSpPr>
+          <a:xfrm>
+            <a:off x="4622334" y="1090572"/>
+            <a:ext cx="2944536" cy="4504736"/>
+            <a:chOff x="864067" y="1192568"/>
+            <a:chExt cx="2944536" cy="4696504"/>
+          </a:xfrm>
+        </p:grpSpPr>
+        <p:sp>
+          <p:nvSpPr>
+            <p:cNvPr id="65" name="Rectangle: Rounded Corners 64">
+              <a:extLst>
+                <a:ext uri="{FF2B5EF4-FFF2-40B4-BE49-F238E27FC236}">
+                  <a16:creationId xmlns:a16="http://schemas.microsoft.com/office/drawing/2014/main" id="{143E981E-B873-192D-9CDD-48E4124E3A6F}"/>
+                </a:ext>
+              </a:extLst>
+            </p:cNvPr>
+            <p:cNvSpPr/>
+            <p:nvPr/>
+          </p:nvSpPr>
+          <p:spPr>
+            <a:xfrm>
+              <a:off x="864067" y="1192568"/>
+              <a:ext cx="2944536" cy="4696504"/>
+            </a:xfrm>
+            <a:prstGeom prst="roundRect">
+              <a:avLst/>
+            </a:prstGeom>
+          </p:spPr>
+          <p:style>
+            <a:lnRef idx="2">
+              <a:schemeClr val="accent1">
+                <a:shade val="50000"/>
+              </a:schemeClr>
+            </a:lnRef>
+            <a:fillRef idx="1">
+              <a:schemeClr val="accent1"/>
+            </a:fillRef>
+            <a:effectRef idx="0">
+              <a:schemeClr val="accent1"/>
+            </a:effectRef>
+            <a:fontRef idx="minor">
+              <a:schemeClr val="lt1"/>
+            </a:fontRef>
+          </p:style>
+          <p:txBody>
+            <a:bodyPr rtlCol="0" anchor="ctr"/>
+            <a:lstStyle/>
+            <a:p>
+              <a:pPr algn="ctr"/>
+              <a:endParaRPr lang="en-US"/>
+            </a:p>
+          </p:txBody>
+        </p:sp>
+        <p:grpSp>
+          <p:nvGrpSpPr>
+            <p:cNvPr id="40" name="Group 39">
+              <a:extLst>
+                <a:ext uri="{FF2B5EF4-FFF2-40B4-BE49-F238E27FC236}">
+                  <a16:creationId xmlns:a16="http://schemas.microsoft.com/office/drawing/2014/main" id="{EA436D40-4715-0E47-696E-4B77644B5DA3}"/>
+                </a:ext>
+              </a:extLst>
+            </p:cNvPr>
+            <p:cNvGrpSpPr/>
+            <p:nvPr/>
+          </p:nvGrpSpPr>
+          <p:grpSpPr>
+            <a:xfrm>
+              <a:off x="949618" y="1418437"/>
+              <a:ext cx="2759978" cy="889234"/>
+              <a:chOff x="973123" y="1258349"/>
+              <a:chExt cx="2759978" cy="889234"/>
+            </a:xfrm>
+          </p:grpSpPr>
+          <p:sp>
+            <p:nvSpPr>
+              <p:cNvPr id="29" name="Rectangle: Rounded Corners 28">
+                <a:extLst>
+                  <a:ext uri="{FF2B5EF4-FFF2-40B4-BE49-F238E27FC236}">
+                    <a16:creationId xmlns:a16="http://schemas.microsoft.com/office/drawing/2014/main" id="{A0C1799F-3DFA-F6CF-6F76-A6034BC340B1}"/>
+                  </a:ext>
+                </a:extLst>
+              </p:cNvPr>
+              <p:cNvSpPr/>
+              <p:nvPr/>
+            </p:nvSpPr>
+            <p:spPr>
+              <a:xfrm>
+                <a:off x="973123" y="1258349"/>
+                <a:ext cx="2759978" cy="889234"/>
+              </a:xfrm>
+              <a:prstGeom prst="roundRect">
+                <a:avLst/>
+              </a:prstGeom>
+              <a:solidFill>
+                <a:srgbClr val="FFFF00"/>
+              </a:solidFill>
+            </p:spPr>
+            <p:style>
+              <a:lnRef idx="2">
+                <a:schemeClr val="accent1">
+                  <a:shade val="50000"/>
+                </a:schemeClr>
+              </a:lnRef>
+              <a:fillRef idx="1">
+                <a:schemeClr val="accent1"/>
+              </a:fillRef>
+              <a:effectRef idx="0">
+                <a:schemeClr val="accent1"/>
+              </a:effectRef>
+              <a:fontRef idx="minor">
+                <a:schemeClr val="lt1"/>
+              </a:fontRef>
+            </p:style>
+            <p:txBody>
+              <a:bodyPr rtlCol="0" anchor="ctr"/>
+              <a:lstStyle/>
+              <a:p>
+                <a:pPr algn="ctr"/>
+                <a:endParaRPr lang="en-US"/>
+              </a:p>
+            </p:txBody>
+          </p:sp>
+          <p:grpSp>
+            <p:nvGrpSpPr>
+              <p:cNvPr id="31" name="Group 30">
+                <a:extLst>
+                  <a:ext uri="{FF2B5EF4-FFF2-40B4-BE49-F238E27FC236}">
+                    <a16:creationId xmlns:a16="http://schemas.microsoft.com/office/drawing/2014/main" id="{B0131E8E-68B3-34F8-9BF7-35DCF0D88C5B}"/>
+                  </a:ext>
+                </a:extLst>
+              </p:cNvPr>
+              <p:cNvGrpSpPr/>
+              <p:nvPr/>
+            </p:nvGrpSpPr>
+            <p:grpSpPr>
+              <a:xfrm>
+                <a:off x="1069193" y="1361389"/>
+                <a:ext cx="1079373" cy="678232"/>
+                <a:chOff x="2528878" y="3322410"/>
+                <a:chExt cx="1079373" cy="678232"/>
+              </a:xfrm>
+            </p:grpSpPr>
+            <p:sp>
+              <p:nvSpPr>
+                <p:cNvPr id="23" name="Rectangle: Rounded Corners 22">
+                  <a:extLst>
+                    <a:ext uri="{FF2B5EF4-FFF2-40B4-BE49-F238E27FC236}">
+                      <a16:creationId xmlns:a16="http://schemas.microsoft.com/office/drawing/2014/main" id="{C970E319-9E45-29E2-189D-C9137687C79D}"/>
+                    </a:ext>
+                  </a:extLst>
+                </p:cNvPr>
+                <p:cNvSpPr/>
+                <p:nvPr/>
+              </p:nvSpPr>
+              <p:spPr>
+                <a:xfrm>
+                  <a:off x="2528878" y="3322410"/>
+                  <a:ext cx="1079373" cy="678232"/>
+                </a:xfrm>
+                <a:prstGeom prst="roundRect">
+                  <a:avLst/>
+                </a:prstGeom>
+                <a:solidFill>
+                  <a:srgbClr val="00B050"/>
+                </a:solidFill>
+              </p:spPr>
+              <p:style>
+                <a:lnRef idx="2">
+                  <a:schemeClr val="accent1">
+                    <a:shade val="50000"/>
+                  </a:schemeClr>
+                </a:lnRef>
+                <a:fillRef idx="1">
+                  <a:schemeClr val="accent1"/>
+                </a:fillRef>
+                <a:effectRef idx="0">
+                  <a:schemeClr val="accent1"/>
+                </a:effectRef>
+                <a:fontRef idx="minor">
+                  <a:schemeClr val="lt1"/>
+                </a:fontRef>
+              </p:style>
+              <p:txBody>
+                <a:bodyPr rtlCol="0" anchor="ctr"/>
+                <a:lstStyle/>
+                <a:p>
+                  <a:pPr algn="ctr"/>
+                  <a:endParaRPr lang="en-US"/>
+                </a:p>
+              </p:txBody>
+            </p:sp>
+            <p:pic>
+              <p:nvPicPr>
+                <p:cNvPr id="15" name="Picture 14">
+                  <a:extLst>
+                    <a:ext uri="{FF2B5EF4-FFF2-40B4-BE49-F238E27FC236}">
+                      <a16:creationId xmlns:a16="http://schemas.microsoft.com/office/drawing/2014/main" id="{634D7FF3-577A-6B26-940D-D2080C0D402E}"/>
+                    </a:ext>
+                  </a:extLst>
+                </p:cNvPr>
+                <p:cNvPicPr>
+                  <a:picLocks noChangeAspect="1"/>
+                </p:cNvPicPr>
+                <p:nvPr/>
+              </p:nvPicPr>
+              <p:blipFill>
+                <a:blip r:embed="rId2">
+                  <a:extLst>
+                    <a:ext uri="{28A0092B-C50C-407E-A947-70E740481C1C}">
+                      <a14:useLocalDpi xmlns:a14="http://schemas.microsoft.com/office/drawing/2010/main" val="0"/>
+                    </a:ext>
+                    <a:ext uri="{837473B0-CC2E-450A-ABE3-18F120FF3D39}">
+                      <a1611:picAttrSrcUrl xmlns:a1611="http://schemas.microsoft.com/office/drawing/2016/11/main" r:id="rId3"/>
+                    </a:ext>
+                  </a:extLst>
+                </a:blip>
+                <a:stretch>
+                  <a:fillRect/>
+                </a:stretch>
+              </p:blipFill>
+              <p:spPr>
+                <a:xfrm>
+                  <a:off x="2640967" y="3376461"/>
+                  <a:ext cx="855193" cy="570129"/>
+                </a:xfrm>
+                <a:prstGeom prst="rect">
+                  <a:avLst/>
+                </a:prstGeom>
+              </p:spPr>
+            </p:pic>
+          </p:grpSp>
+          <p:grpSp>
+            <p:nvGrpSpPr>
+              <p:cNvPr id="37" name="Group 36">
+                <a:extLst>
+                  <a:ext uri="{FF2B5EF4-FFF2-40B4-BE49-F238E27FC236}">
+                    <a16:creationId xmlns:a16="http://schemas.microsoft.com/office/drawing/2014/main" id="{F422DC17-7CA6-C5AB-E065-BDBF750E1D75}"/>
+                  </a:ext>
+                </a:extLst>
+              </p:cNvPr>
+              <p:cNvGrpSpPr/>
+              <p:nvPr/>
+            </p:nvGrpSpPr>
+            <p:grpSpPr>
+              <a:xfrm>
+                <a:off x="2550537" y="1392323"/>
+                <a:ext cx="1079373" cy="678232"/>
+                <a:chOff x="2528878" y="3322410"/>
+                <a:chExt cx="1079373" cy="678232"/>
+              </a:xfrm>
+            </p:grpSpPr>
+            <p:sp>
+              <p:nvSpPr>
+                <p:cNvPr id="38" name="Rectangle: Rounded Corners 37">
+                  <a:extLst>
+                    <a:ext uri="{FF2B5EF4-FFF2-40B4-BE49-F238E27FC236}">
+                      <a16:creationId xmlns:a16="http://schemas.microsoft.com/office/drawing/2014/main" id="{40DB852D-374E-0E0D-786D-66B052D80FC9}"/>
+                    </a:ext>
+                  </a:extLst>
+                </p:cNvPr>
+                <p:cNvSpPr/>
+                <p:nvPr/>
+              </p:nvSpPr>
+              <p:spPr>
+                <a:xfrm>
+                  <a:off x="2528878" y="3322410"/>
+                  <a:ext cx="1079373" cy="678232"/>
+                </a:xfrm>
+                <a:prstGeom prst="roundRect">
+                  <a:avLst/>
+                </a:prstGeom>
+                <a:solidFill>
+                  <a:srgbClr val="00B050"/>
+                </a:solidFill>
+              </p:spPr>
+              <p:style>
+                <a:lnRef idx="2">
+                  <a:schemeClr val="accent1">
+                    <a:shade val="50000"/>
+                  </a:schemeClr>
+                </a:lnRef>
+                <a:fillRef idx="1">
+                  <a:schemeClr val="accent1"/>
+                </a:fillRef>
+                <a:effectRef idx="0">
+                  <a:schemeClr val="accent1"/>
+                </a:effectRef>
+                <a:fontRef idx="minor">
+                  <a:schemeClr val="lt1"/>
+                </a:fontRef>
+              </p:style>
+              <p:txBody>
+                <a:bodyPr rtlCol="0" anchor="ctr"/>
+                <a:lstStyle/>
+                <a:p>
+                  <a:pPr algn="ctr"/>
+                  <a:endParaRPr lang="en-US"/>
+                </a:p>
+              </p:txBody>
+            </p:sp>
+            <p:pic>
+              <p:nvPicPr>
+                <p:cNvPr id="39" name="Picture 38">
+                  <a:extLst>
+                    <a:ext uri="{FF2B5EF4-FFF2-40B4-BE49-F238E27FC236}">
+                      <a16:creationId xmlns:a16="http://schemas.microsoft.com/office/drawing/2014/main" id="{6F2B4DBA-46CB-EEE2-1292-34A013EE9B09}"/>
+                    </a:ext>
+                  </a:extLst>
+                </p:cNvPr>
+                <p:cNvPicPr>
+                  <a:picLocks noChangeAspect="1"/>
+                </p:cNvPicPr>
+                <p:nvPr/>
+              </p:nvPicPr>
+              <p:blipFill>
+                <a:blip r:embed="rId2">
+                  <a:extLst>
+                    <a:ext uri="{28A0092B-C50C-407E-A947-70E740481C1C}">
+                      <a14:useLocalDpi xmlns:a14="http://schemas.microsoft.com/office/drawing/2010/main" val="0"/>
+                    </a:ext>
+                    <a:ext uri="{837473B0-CC2E-450A-ABE3-18F120FF3D39}">
+                      <a1611:picAttrSrcUrl xmlns:a1611="http://schemas.microsoft.com/office/drawing/2016/11/main" r:id="rId3"/>
+                    </a:ext>
+                  </a:extLst>
+                </a:blip>
+                <a:stretch>
+                  <a:fillRect/>
+                </a:stretch>
+              </p:blipFill>
+              <p:spPr>
+                <a:xfrm>
+                  <a:off x="2640967" y="3376461"/>
+                  <a:ext cx="855193" cy="570129"/>
+                </a:xfrm>
+                <a:prstGeom prst="rect">
+                  <a:avLst/>
+                </a:prstGeom>
+              </p:spPr>
+            </p:pic>
+          </p:grpSp>
+        </p:grpSp>
+        <p:grpSp>
+          <p:nvGrpSpPr>
+            <p:cNvPr id="41" name="Group 40">
+              <a:extLst>
+                <a:ext uri="{FF2B5EF4-FFF2-40B4-BE49-F238E27FC236}">
+                  <a16:creationId xmlns:a16="http://schemas.microsoft.com/office/drawing/2014/main" id="{D94FB5A0-0E4C-EEC3-BA66-4797589A50C0}"/>
+                </a:ext>
+              </a:extLst>
+            </p:cNvPr>
+            <p:cNvGrpSpPr/>
+            <p:nvPr/>
+          </p:nvGrpSpPr>
+          <p:grpSpPr>
+            <a:xfrm>
+              <a:off x="949618" y="2545993"/>
+              <a:ext cx="2759978" cy="889234"/>
+              <a:chOff x="973123" y="1258349"/>
+              <a:chExt cx="2759978" cy="889234"/>
+            </a:xfrm>
+          </p:grpSpPr>
+          <p:sp>
+            <p:nvSpPr>
+              <p:cNvPr id="42" name="Rectangle: Rounded Corners 41">
+                <a:extLst>
+                  <a:ext uri="{FF2B5EF4-FFF2-40B4-BE49-F238E27FC236}">
+                    <a16:creationId xmlns:a16="http://schemas.microsoft.com/office/drawing/2014/main" id="{65ED6CD4-31D6-417D-E1A3-6B1707AE1EF4}"/>
+                  </a:ext>
+                </a:extLst>
+              </p:cNvPr>
+              <p:cNvSpPr/>
+              <p:nvPr/>
+            </p:nvSpPr>
+            <p:spPr>
+              <a:xfrm>
+                <a:off x="973123" y="1258349"/>
+                <a:ext cx="2759978" cy="889234"/>
+              </a:xfrm>
+              <a:prstGeom prst="roundRect">
+                <a:avLst/>
+              </a:prstGeom>
+              <a:solidFill>
+                <a:srgbClr val="FFFF00"/>
+              </a:solidFill>
+            </p:spPr>
+            <p:style>
+              <a:lnRef idx="2">
+                <a:schemeClr val="accent1">
+                  <a:shade val="50000"/>
+                </a:schemeClr>
+              </a:lnRef>
+              <a:fillRef idx="1">
+                <a:schemeClr val="accent1"/>
+              </a:fillRef>
+              <a:effectRef idx="0">
+                <a:schemeClr val="accent1"/>
+              </a:effectRef>
+              <a:fontRef idx="minor">
+                <a:schemeClr val="lt1"/>
+              </a:fontRef>
+            </p:style>
+            <p:txBody>
+              <a:bodyPr rtlCol="0" anchor="ctr"/>
+              <a:lstStyle/>
+              <a:p>
+                <a:pPr algn="ctr"/>
+                <a:endParaRPr lang="en-US"/>
+              </a:p>
+            </p:txBody>
+          </p:sp>
+          <p:grpSp>
+            <p:nvGrpSpPr>
+              <p:cNvPr id="43" name="Group 42">
+                <a:extLst>
+                  <a:ext uri="{FF2B5EF4-FFF2-40B4-BE49-F238E27FC236}">
+                    <a16:creationId xmlns:a16="http://schemas.microsoft.com/office/drawing/2014/main" id="{9A4033E3-CEB4-6635-3C89-8099C6E89204}"/>
+                  </a:ext>
+                </a:extLst>
+              </p:cNvPr>
+              <p:cNvGrpSpPr/>
+              <p:nvPr/>
+            </p:nvGrpSpPr>
+            <p:grpSpPr>
+              <a:xfrm>
+                <a:off x="1069193" y="1361389"/>
+                <a:ext cx="1079373" cy="678232"/>
+                <a:chOff x="2528878" y="3322410"/>
+                <a:chExt cx="1079373" cy="678232"/>
+              </a:xfrm>
+            </p:grpSpPr>
+            <p:sp>
+              <p:nvSpPr>
+                <p:cNvPr id="47" name="Rectangle: Rounded Corners 46">
+                  <a:extLst>
+                    <a:ext uri="{FF2B5EF4-FFF2-40B4-BE49-F238E27FC236}">
+                      <a16:creationId xmlns:a16="http://schemas.microsoft.com/office/drawing/2014/main" id="{D38BD9E8-883D-E382-F0FD-885E6091BC4B}"/>
+                    </a:ext>
+                  </a:extLst>
+                </p:cNvPr>
+                <p:cNvSpPr/>
+                <p:nvPr/>
+              </p:nvSpPr>
+              <p:spPr>
+                <a:xfrm>
+                  <a:off x="2528878" y="3322410"/>
+                  <a:ext cx="1079373" cy="678232"/>
+                </a:xfrm>
+                <a:prstGeom prst="roundRect">
+                  <a:avLst/>
+                </a:prstGeom>
+                <a:solidFill>
+                  <a:srgbClr val="00B050"/>
+                </a:solidFill>
+              </p:spPr>
+              <p:style>
+                <a:lnRef idx="2">
+                  <a:schemeClr val="accent1">
+                    <a:shade val="50000"/>
+                  </a:schemeClr>
+                </a:lnRef>
+                <a:fillRef idx="1">
+                  <a:schemeClr val="accent1"/>
+                </a:fillRef>
+                <a:effectRef idx="0">
+                  <a:schemeClr val="accent1"/>
+                </a:effectRef>
+                <a:fontRef idx="minor">
+                  <a:schemeClr val="lt1"/>
+                </a:fontRef>
+              </p:style>
+              <p:txBody>
+                <a:bodyPr rtlCol="0" anchor="ctr"/>
+                <a:lstStyle/>
+                <a:p>
+                  <a:pPr algn="ctr"/>
+                  <a:endParaRPr lang="en-US"/>
+                </a:p>
+              </p:txBody>
+            </p:sp>
+            <p:pic>
+              <p:nvPicPr>
+                <p:cNvPr id="48" name="Picture 47">
+                  <a:extLst>
+                    <a:ext uri="{FF2B5EF4-FFF2-40B4-BE49-F238E27FC236}">
+                      <a16:creationId xmlns:a16="http://schemas.microsoft.com/office/drawing/2014/main" id="{A880EB4E-3290-5D0C-B4B8-F4422277F580}"/>
+                    </a:ext>
+                  </a:extLst>
+                </p:cNvPr>
+                <p:cNvPicPr>
+                  <a:picLocks noChangeAspect="1"/>
+                </p:cNvPicPr>
+                <p:nvPr/>
+              </p:nvPicPr>
+              <p:blipFill>
+                <a:blip r:embed="rId2">
+                  <a:extLst>
+                    <a:ext uri="{28A0092B-C50C-407E-A947-70E740481C1C}">
+                      <a14:useLocalDpi xmlns:a14="http://schemas.microsoft.com/office/drawing/2010/main" val="0"/>
+                    </a:ext>
+                    <a:ext uri="{837473B0-CC2E-450A-ABE3-18F120FF3D39}">
+                      <a1611:picAttrSrcUrl xmlns:a1611="http://schemas.microsoft.com/office/drawing/2016/11/main" r:id="rId3"/>
+                    </a:ext>
+                  </a:extLst>
+                </a:blip>
+                <a:stretch>
+                  <a:fillRect/>
+                </a:stretch>
+              </p:blipFill>
+              <p:spPr>
+                <a:xfrm>
+                  <a:off x="2640967" y="3376461"/>
+                  <a:ext cx="855193" cy="570129"/>
+                </a:xfrm>
+                <a:prstGeom prst="rect">
+                  <a:avLst/>
+                </a:prstGeom>
+              </p:spPr>
+            </p:pic>
+          </p:grpSp>
+          <p:grpSp>
+            <p:nvGrpSpPr>
+              <p:cNvPr id="44" name="Group 43">
+                <a:extLst>
+                  <a:ext uri="{FF2B5EF4-FFF2-40B4-BE49-F238E27FC236}">
+                    <a16:creationId xmlns:a16="http://schemas.microsoft.com/office/drawing/2014/main" id="{4CFCF904-4CA6-77AD-0930-034C1D229C35}"/>
+                  </a:ext>
+                </a:extLst>
+              </p:cNvPr>
+              <p:cNvGrpSpPr/>
+              <p:nvPr/>
+            </p:nvGrpSpPr>
+            <p:grpSpPr>
+              <a:xfrm>
+                <a:off x="2550537" y="1392323"/>
+                <a:ext cx="1079373" cy="678232"/>
+                <a:chOff x="2528878" y="3322410"/>
+                <a:chExt cx="1079373" cy="678232"/>
+              </a:xfrm>
+            </p:grpSpPr>
+            <p:sp>
+              <p:nvSpPr>
+                <p:cNvPr id="45" name="Rectangle: Rounded Corners 44">
+                  <a:extLst>
+                    <a:ext uri="{FF2B5EF4-FFF2-40B4-BE49-F238E27FC236}">
+                      <a16:creationId xmlns:a16="http://schemas.microsoft.com/office/drawing/2014/main" id="{D3F297C6-6364-A587-DE31-1CAB2C1112AF}"/>
+                    </a:ext>
+                  </a:extLst>
+                </p:cNvPr>
+                <p:cNvSpPr/>
+                <p:nvPr/>
+              </p:nvSpPr>
+              <p:spPr>
+                <a:xfrm>
+                  <a:off x="2528878" y="3322410"/>
+                  <a:ext cx="1079373" cy="678232"/>
+                </a:xfrm>
+                <a:prstGeom prst="roundRect">
+                  <a:avLst/>
+                </a:prstGeom>
+                <a:solidFill>
+                  <a:srgbClr val="00B050"/>
+                </a:solidFill>
+              </p:spPr>
+              <p:style>
+                <a:lnRef idx="2">
+                  <a:schemeClr val="accent1">
+                    <a:shade val="50000"/>
+                  </a:schemeClr>
+                </a:lnRef>
+                <a:fillRef idx="1">
+                  <a:schemeClr val="accent1"/>
+                </a:fillRef>
+                <a:effectRef idx="0">
+                  <a:schemeClr val="accent1"/>
+                </a:effectRef>
+                <a:fontRef idx="minor">
+                  <a:schemeClr val="lt1"/>
+                </a:fontRef>
+              </p:style>
+              <p:txBody>
+                <a:bodyPr rtlCol="0" anchor="ctr"/>
+                <a:lstStyle/>
+                <a:p>
+                  <a:pPr algn="ctr"/>
+                  <a:endParaRPr lang="en-US"/>
+                </a:p>
+              </p:txBody>
+            </p:sp>
+            <p:pic>
+              <p:nvPicPr>
+                <p:cNvPr id="46" name="Picture 45">
+                  <a:extLst>
+                    <a:ext uri="{FF2B5EF4-FFF2-40B4-BE49-F238E27FC236}">
+                      <a16:creationId xmlns:a16="http://schemas.microsoft.com/office/drawing/2014/main" id="{ABA662E4-5382-EDF2-005E-B52001B183AC}"/>
+                    </a:ext>
+                  </a:extLst>
+                </p:cNvPr>
+                <p:cNvPicPr>
+                  <a:picLocks noChangeAspect="1"/>
+                </p:cNvPicPr>
+                <p:nvPr/>
+              </p:nvPicPr>
+              <p:blipFill>
+                <a:blip r:embed="rId2">
+                  <a:extLst>
+                    <a:ext uri="{28A0092B-C50C-407E-A947-70E740481C1C}">
+                      <a14:useLocalDpi xmlns:a14="http://schemas.microsoft.com/office/drawing/2010/main" val="0"/>
+                    </a:ext>
+                    <a:ext uri="{837473B0-CC2E-450A-ABE3-18F120FF3D39}">
+                      <a1611:picAttrSrcUrl xmlns:a1611="http://schemas.microsoft.com/office/drawing/2016/11/main" r:id="rId3"/>
+                    </a:ext>
+                  </a:extLst>
+                </a:blip>
+                <a:stretch>
+                  <a:fillRect/>
+                </a:stretch>
+              </p:blipFill>
+              <p:spPr>
+                <a:xfrm>
+                  <a:off x="2640967" y="3376461"/>
+                  <a:ext cx="855193" cy="570129"/>
+                </a:xfrm>
+                <a:prstGeom prst="rect">
+                  <a:avLst/>
+                </a:prstGeom>
+              </p:spPr>
+            </p:pic>
+          </p:grpSp>
+        </p:grpSp>
+        <p:grpSp>
+          <p:nvGrpSpPr>
+            <p:cNvPr id="49" name="Group 48">
+              <a:extLst>
+                <a:ext uri="{FF2B5EF4-FFF2-40B4-BE49-F238E27FC236}">
+                  <a16:creationId xmlns:a16="http://schemas.microsoft.com/office/drawing/2014/main" id="{46677D43-4A94-C611-B33A-3E29351B549C}"/>
+                </a:ext>
+              </a:extLst>
+            </p:cNvPr>
+            <p:cNvGrpSpPr/>
+            <p:nvPr/>
+          </p:nvGrpSpPr>
+          <p:grpSpPr>
+            <a:xfrm>
+              <a:off x="938789" y="3661096"/>
+              <a:ext cx="2759978" cy="889234"/>
+              <a:chOff x="973123" y="1258349"/>
+              <a:chExt cx="2759978" cy="889234"/>
+            </a:xfrm>
+          </p:grpSpPr>
+          <p:sp>
+            <p:nvSpPr>
+              <p:cNvPr id="50" name="Rectangle: Rounded Corners 49">
+                <a:extLst>
+                  <a:ext uri="{FF2B5EF4-FFF2-40B4-BE49-F238E27FC236}">
+                    <a16:creationId xmlns:a16="http://schemas.microsoft.com/office/drawing/2014/main" id="{31AB3344-4AFE-243A-8642-92F05D62587A}"/>
+                  </a:ext>
+                </a:extLst>
+              </p:cNvPr>
+              <p:cNvSpPr/>
+              <p:nvPr/>
+            </p:nvSpPr>
+            <p:spPr>
+              <a:xfrm>
+                <a:off x="973123" y="1258349"/>
+                <a:ext cx="2759978" cy="889234"/>
+              </a:xfrm>
+              <a:prstGeom prst="roundRect">
+                <a:avLst/>
+              </a:prstGeom>
+              <a:solidFill>
+                <a:srgbClr val="FFFF00"/>
+              </a:solidFill>
+            </p:spPr>
+            <p:style>
+              <a:lnRef idx="2">
+                <a:schemeClr val="accent1">
+                  <a:shade val="50000"/>
+                </a:schemeClr>
+              </a:lnRef>
+              <a:fillRef idx="1">
+                <a:schemeClr val="accent1"/>
+              </a:fillRef>
+              <a:effectRef idx="0">
+                <a:schemeClr val="accent1"/>
+              </a:effectRef>
+              <a:fontRef idx="minor">
+                <a:schemeClr val="lt1"/>
+              </a:fontRef>
+            </p:style>
+            <p:txBody>
+              <a:bodyPr rtlCol="0" anchor="ctr"/>
+              <a:lstStyle/>
+              <a:p>
+                <a:pPr algn="ctr"/>
+                <a:endParaRPr lang="en-US"/>
+              </a:p>
+            </p:txBody>
+          </p:sp>
+          <p:grpSp>
+            <p:nvGrpSpPr>
+              <p:cNvPr id="51" name="Group 50">
+                <a:extLst>
+                  <a:ext uri="{FF2B5EF4-FFF2-40B4-BE49-F238E27FC236}">
+                    <a16:creationId xmlns:a16="http://schemas.microsoft.com/office/drawing/2014/main" id="{C5B3E22E-CEE1-E6DB-016D-84BA9B267292}"/>
+                  </a:ext>
+                </a:extLst>
+              </p:cNvPr>
+              <p:cNvGrpSpPr/>
+              <p:nvPr/>
+            </p:nvGrpSpPr>
+            <p:grpSpPr>
+              <a:xfrm>
+                <a:off x="1069193" y="1361389"/>
+                <a:ext cx="1079373" cy="678232"/>
+                <a:chOff x="2528878" y="3322410"/>
+                <a:chExt cx="1079373" cy="678232"/>
+              </a:xfrm>
+            </p:grpSpPr>
+            <p:sp>
+              <p:nvSpPr>
+                <p:cNvPr id="55" name="Rectangle: Rounded Corners 54">
+                  <a:extLst>
+                    <a:ext uri="{FF2B5EF4-FFF2-40B4-BE49-F238E27FC236}">
+                      <a16:creationId xmlns:a16="http://schemas.microsoft.com/office/drawing/2014/main" id="{C2D46812-9AAC-4FD1-566A-6B8188829829}"/>
+                    </a:ext>
+                  </a:extLst>
+                </p:cNvPr>
+                <p:cNvSpPr/>
+                <p:nvPr/>
+              </p:nvSpPr>
+              <p:spPr>
+                <a:xfrm>
+                  <a:off x="2528878" y="3322410"/>
+                  <a:ext cx="1079373" cy="678232"/>
+                </a:xfrm>
+                <a:prstGeom prst="roundRect">
+                  <a:avLst/>
+                </a:prstGeom>
+                <a:solidFill>
+                  <a:srgbClr val="00B050"/>
+                </a:solidFill>
+              </p:spPr>
+              <p:style>
+                <a:lnRef idx="2">
+                  <a:schemeClr val="accent1">
+                    <a:shade val="50000"/>
+                  </a:schemeClr>
+                </a:lnRef>
+                <a:fillRef idx="1">
+                  <a:schemeClr val="accent1"/>
+                </a:fillRef>
+                <a:effectRef idx="0">
+                  <a:schemeClr val="accent1"/>
+                </a:effectRef>
+                <a:fontRef idx="minor">
+                  <a:schemeClr val="lt1"/>
+                </a:fontRef>
+              </p:style>
+              <p:txBody>
+                <a:bodyPr rtlCol="0" anchor="ctr"/>
+                <a:lstStyle/>
+                <a:p>
+                  <a:pPr algn="ctr"/>
+                  <a:endParaRPr lang="en-US"/>
+                </a:p>
+              </p:txBody>
+            </p:sp>
+            <p:pic>
+              <p:nvPicPr>
+                <p:cNvPr id="56" name="Picture 55">
+                  <a:extLst>
+                    <a:ext uri="{FF2B5EF4-FFF2-40B4-BE49-F238E27FC236}">
+                      <a16:creationId xmlns:a16="http://schemas.microsoft.com/office/drawing/2014/main" id="{06778A7F-890A-4BC6-816C-E0536A744E94}"/>
+                    </a:ext>
+                  </a:extLst>
+                </p:cNvPr>
+                <p:cNvPicPr>
+                  <a:picLocks noChangeAspect="1"/>
+                </p:cNvPicPr>
+                <p:nvPr/>
+              </p:nvPicPr>
+              <p:blipFill>
+                <a:blip r:embed="rId2">
+                  <a:extLst>
+                    <a:ext uri="{28A0092B-C50C-407E-A947-70E740481C1C}">
+                      <a14:useLocalDpi xmlns:a14="http://schemas.microsoft.com/office/drawing/2010/main" val="0"/>
+                    </a:ext>
+                    <a:ext uri="{837473B0-CC2E-450A-ABE3-18F120FF3D39}">
+                      <a1611:picAttrSrcUrl xmlns:a1611="http://schemas.microsoft.com/office/drawing/2016/11/main" r:id="rId3"/>
+                    </a:ext>
+                  </a:extLst>
+                </a:blip>
+                <a:stretch>
+                  <a:fillRect/>
+                </a:stretch>
+              </p:blipFill>
+              <p:spPr>
+                <a:xfrm>
+                  <a:off x="2640967" y="3376461"/>
+                  <a:ext cx="855193" cy="570129"/>
+                </a:xfrm>
+                <a:prstGeom prst="rect">
+                  <a:avLst/>
+                </a:prstGeom>
+              </p:spPr>
+            </p:pic>
+          </p:grpSp>
+          <p:grpSp>
+            <p:nvGrpSpPr>
+              <p:cNvPr id="52" name="Group 51">
+                <a:extLst>
+                  <a:ext uri="{FF2B5EF4-FFF2-40B4-BE49-F238E27FC236}">
+                    <a16:creationId xmlns:a16="http://schemas.microsoft.com/office/drawing/2014/main" id="{5EEDC41F-4A1A-05C0-C86A-4282B5E0B0C4}"/>
+                  </a:ext>
+                </a:extLst>
+              </p:cNvPr>
+              <p:cNvGrpSpPr/>
+              <p:nvPr/>
+            </p:nvGrpSpPr>
+            <p:grpSpPr>
+              <a:xfrm>
+                <a:off x="2550537" y="1392323"/>
+                <a:ext cx="1079373" cy="678232"/>
+                <a:chOff x="2528878" y="3322410"/>
+                <a:chExt cx="1079373" cy="678232"/>
+              </a:xfrm>
+            </p:grpSpPr>
+            <p:sp>
+              <p:nvSpPr>
+                <p:cNvPr id="53" name="Rectangle: Rounded Corners 52">
+                  <a:extLst>
+                    <a:ext uri="{FF2B5EF4-FFF2-40B4-BE49-F238E27FC236}">
+                      <a16:creationId xmlns:a16="http://schemas.microsoft.com/office/drawing/2014/main" id="{A506ADB9-0B0D-CFD6-BA34-54A9842FE357}"/>
+                    </a:ext>
+                  </a:extLst>
+                </p:cNvPr>
+                <p:cNvSpPr/>
+                <p:nvPr/>
+              </p:nvSpPr>
+              <p:spPr>
+                <a:xfrm>
+                  <a:off x="2528878" y="3322410"/>
+                  <a:ext cx="1079373" cy="678232"/>
+                </a:xfrm>
+                <a:prstGeom prst="roundRect">
+                  <a:avLst/>
+                </a:prstGeom>
+                <a:solidFill>
+                  <a:srgbClr val="00B050"/>
+                </a:solidFill>
+              </p:spPr>
+              <p:style>
+                <a:lnRef idx="2">
+                  <a:schemeClr val="accent1">
+                    <a:shade val="50000"/>
+                  </a:schemeClr>
+                </a:lnRef>
+                <a:fillRef idx="1">
+                  <a:schemeClr val="accent1"/>
+                </a:fillRef>
+                <a:effectRef idx="0">
+                  <a:schemeClr val="accent1"/>
+                </a:effectRef>
+                <a:fontRef idx="minor">
+                  <a:schemeClr val="lt1"/>
+                </a:fontRef>
+              </p:style>
+              <p:txBody>
+                <a:bodyPr rtlCol="0" anchor="ctr"/>
+                <a:lstStyle/>
+                <a:p>
+                  <a:pPr algn="ctr"/>
+                  <a:endParaRPr lang="en-US"/>
+                </a:p>
+              </p:txBody>
+            </p:sp>
+            <p:pic>
+              <p:nvPicPr>
+                <p:cNvPr id="54" name="Picture 53">
+                  <a:extLst>
+                    <a:ext uri="{FF2B5EF4-FFF2-40B4-BE49-F238E27FC236}">
+                      <a16:creationId xmlns:a16="http://schemas.microsoft.com/office/drawing/2014/main" id="{55153F5F-68EF-324B-CF07-4AA407B0505E}"/>
+                    </a:ext>
+                  </a:extLst>
+                </p:cNvPr>
+                <p:cNvPicPr>
+                  <a:picLocks noChangeAspect="1"/>
+                </p:cNvPicPr>
+                <p:nvPr/>
+              </p:nvPicPr>
+              <p:blipFill>
+                <a:blip r:embed="rId2">
+                  <a:extLst>
+                    <a:ext uri="{28A0092B-C50C-407E-A947-70E740481C1C}">
+                      <a14:useLocalDpi xmlns:a14="http://schemas.microsoft.com/office/drawing/2010/main" val="0"/>
+                    </a:ext>
+                    <a:ext uri="{837473B0-CC2E-450A-ABE3-18F120FF3D39}">
+                      <a1611:picAttrSrcUrl xmlns:a1611="http://schemas.microsoft.com/office/drawing/2016/11/main" r:id="rId3"/>
+                    </a:ext>
+                  </a:extLst>
+                </a:blip>
+                <a:stretch>
+                  <a:fillRect/>
+                </a:stretch>
+              </p:blipFill>
+              <p:spPr>
+                <a:xfrm>
+                  <a:off x="2640967" y="3376461"/>
+                  <a:ext cx="855193" cy="570129"/>
+                </a:xfrm>
+                <a:prstGeom prst="rect">
+                  <a:avLst/>
+                </a:prstGeom>
+              </p:spPr>
+            </p:pic>
+          </p:grpSp>
+        </p:grpSp>
+        <p:grpSp>
+          <p:nvGrpSpPr>
+            <p:cNvPr id="57" name="Group 56">
+              <a:extLst>
+                <a:ext uri="{FF2B5EF4-FFF2-40B4-BE49-F238E27FC236}">
+                  <a16:creationId xmlns:a16="http://schemas.microsoft.com/office/drawing/2014/main" id="{DAF53E7E-0D43-938C-4C42-3E13B0CB0ADF}"/>
+                </a:ext>
+              </a:extLst>
+            </p:cNvPr>
+            <p:cNvGrpSpPr/>
+            <p:nvPr/>
+          </p:nvGrpSpPr>
+          <p:grpSpPr>
+            <a:xfrm>
+              <a:off x="938789" y="4776466"/>
+              <a:ext cx="2759978" cy="889234"/>
+              <a:chOff x="973123" y="1258349"/>
+              <a:chExt cx="2759978" cy="889234"/>
+            </a:xfrm>
+          </p:grpSpPr>
+          <p:sp>
+            <p:nvSpPr>
+              <p:cNvPr id="58" name="Rectangle: Rounded Corners 57">
+                <a:extLst>
+                  <a:ext uri="{FF2B5EF4-FFF2-40B4-BE49-F238E27FC236}">
+                    <a16:creationId xmlns:a16="http://schemas.microsoft.com/office/drawing/2014/main" id="{3D0BC6D1-EF1B-8D06-39CA-D70CA13A783C}"/>
+                  </a:ext>
+                </a:extLst>
+              </p:cNvPr>
+              <p:cNvSpPr/>
+              <p:nvPr/>
+            </p:nvSpPr>
+            <p:spPr>
+              <a:xfrm>
+                <a:off x="973123" y="1258349"/>
+                <a:ext cx="2759978" cy="889234"/>
+              </a:xfrm>
+              <a:prstGeom prst="roundRect">
+                <a:avLst/>
+              </a:prstGeom>
+              <a:solidFill>
+                <a:srgbClr val="FFFF00"/>
+              </a:solidFill>
+            </p:spPr>
+            <p:style>
+              <a:lnRef idx="2">
+                <a:schemeClr val="accent1">
+                  <a:shade val="50000"/>
+                </a:schemeClr>
+              </a:lnRef>
+              <a:fillRef idx="1">
+                <a:schemeClr val="accent1"/>
+              </a:fillRef>
+              <a:effectRef idx="0">
+                <a:schemeClr val="accent1"/>
+              </a:effectRef>
+              <a:fontRef idx="minor">
+                <a:schemeClr val="lt1"/>
+              </a:fontRef>
+            </p:style>
+            <p:txBody>
+              <a:bodyPr rtlCol="0" anchor="ctr"/>
+              <a:lstStyle/>
+              <a:p>
+                <a:pPr algn="ctr"/>
+                <a:endParaRPr lang="en-US"/>
+              </a:p>
+            </p:txBody>
+          </p:sp>
+          <p:grpSp>
+            <p:nvGrpSpPr>
+              <p:cNvPr id="59" name="Group 58">
+                <a:extLst>
+                  <a:ext uri="{FF2B5EF4-FFF2-40B4-BE49-F238E27FC236}">
+                    <a16:creationId xmlns:a16="http://schemas.microsoft.com/office/drawing/2014/main" id="{D6BC55DA-6997-B790-D9A9-8999954F757B}"/>
+                  </a:ext>
+                </a:extLst>
+              </p:cNvPr>
+              <p:cNvGrpSpPr/>
+              <p:nvPr/>
+            </p:nvGrpSpPr>
+            <p:grpSpPr>
+              <a:xfrm>
+                <a:off x="1069193" y="1361389"/>
+                <a:ext cx="1079373" cy="678232"/>
+                <a:chOff x="2528878" y="3322410"/>
+                <a:chExt cx="1079373" cy="678232"/>
+              </a:xfrm>
+            </p:grpSpPr>
+            <p:sp>
+              <p:nvSpPr>
+                <p:cNvPr id="63" name="Rectangle: Rounded Corners 62">
+                  <a:extLst>
+                    <a:ext uri="{FF2B5EF4-FFF2-40B4-BE49-F238E27FC236}">
+                      <a16:creationId xmlns:a16="http://schemas.microsoft.com/office/drawing/2014/main" id="{7984DCBE-E4A2-F718-F360-9EE6B04532F9}"/>
+                    </a:ext>
+                  </a:extLst>
+                </p:cNvPr>
+                <p:cNvSpPr/>
+                <p:nvPr/>
+              </p:nvSpPr>
+              <p:spPr>
+                <a:xfrm>
+                  <a:off x="2528878" y="3322410"/>
+                  <a:ext cx="1079373" cy="678232"/>
+                </a:xfrm>
+                <a:prstGeom prst="roundRect">
+                  <a:avLst/>
+                </a:prstGeom>
+                <a:solidFill>
+                  <a:srgbClr val="00B050"/>
+                </a:solidFill>
+              </p:spPr>
+              <p:style>
+                <a:lnRef idx="2">
+                  <a:schemeClr val="accent1">
+                    <a:shade val="50000"/>
+                  </a:schemeClr>
+                </a:lnRef>
+                <a:fillRef idx="1">
+                  <a:schemeClr val="accent1"/>
+                </a:fillRef>
+                <a:effectRef idx="0">
+                  <a:schemeClr val="accent1"/>
+                </a:effectRef>
+                <a:fontRef idx="minor">
+                  <a:schemeClr val="lt1"/>
+                </a:fontRef>
+              </p:style>
+              <p:txBody>
+                <a:bodyPr rtlCol="0" anchor="ctr"/>
+                <a:lstStyle/>
+                <a:p>
+                  <a:pPr algn="ctr"/>
+                  <a:endParaRPr lang="en-US"/>
+                </a:p>
+              </p:txBody>
+            </p:sp>
+            <p:pic>
+              <p:nvPicPr>
+                <p:cNvPr id="64" name="Picture 63">
+                  <a:extLst>
+                    <a:ext uri="{FF2B5EF4-FFF2-40B4-BE49-F238E27FC236}">
+                      <a16:creationId xmlns:a16="http://schemas.microsoft.com/office/drawing/2014/main" id="{A1ADC95A-92A1-573D-850B-8B6BE1E7DDAB}"/>
+                    </a:ext>
+                  </a:extLst>
+                </p:cNvPr>
+                <p:cNvPicPr>
+                  <a:picLocks noChangeAspect="1"/>
+                </p:cNvPicPr>
+                <p:nvPr/>
+              </p:nvPicPr>
+              <p:blipFill>
+                <a:blip r:embed="rId2">
+                  <a:extLst>
+                    <a:ext uri="{28A0092B-C50C-407E-A947-70E740481C1C}">
+                      <a14:useLocalDpi xmlns:a14="http://schemas.microsoft.com/office/drawing/2010/main" val="0"/>
+                    </a:ext>
+                    <a:ext uri="{837473B0-CC2E-450A-ABE3-18F120FF3D39}">
+                      <a1611:picAttrSrcUrl xmlns:a1611="http://schemas.microsoft.com/office/drawing/2016/11/main" r:id="rId3"/>
+                    </a:ext>
+                  </a:extLst>
+                </a:blip>
+                <a:stretch>
+                  <a:fillRect/>
+                </a:stretch>
+              </p:blipFill>
+              <p:spPr>
+                <a:xfrm>
+                  <a:off x="2640967" y="3376461"/>
+                  <a:ext cx="855193" cy="570129"/>
+                </a:xfrm>
+                <a:prstGeom prst="rect">
+                  <a:avLst/>
+                </a:prstGeom>
+              </p:spPr>
+            </p:pic>
+          </p:grpSp>
+          <p:grpSp>
+            <p:nvGrpSpPr>
+              <p:cNvPr id="60" name="Group 59">
+                <a:extLst>
+                  <a:ext uri="{FF2B5EF4-FFF2-40B4-BE49-F238E27FC236}">
+                    <a16:creationId xmlns:a16="http://schemas.microsoft.com/office/drawing/2014/main" id="{67B5ABB1-9DD0-7F25-760E-80542137710D}"/>
+                  </a:ext>
+                </a:extLst>
+              </p:cNvPr>
+              <p:cNvGrpSpPr/>
+              <p:nvPr/>
+            </p:nvGrpSpPr>
+            <p:grpSpPr>
+              <a:xfrm>
+                <a:off x="2550537" y="1392323"/>
+                <a:ext cx="1079373" cy="678232"/>
+                <a:chOff x="2528878" y="3322410"/>
+                <a:chExt cx="1079373" cy="678232"/>
+              </a:xfrm>
+            </p:grpSpPr>
+            <p:sp>
+              <p:nvSpPr>
+                <p:cNvPr id="61" name="Rectangle: Rounded Corners 60">
+                  <a:extLst>
+                    <a:ext uri="{FF2B5EF4-FFF2-40B4-BE49-F238E27FC236}">
+                      <a16:creationId xmlns:a16="http://schemas.microsoft.com/office/drawing/2014/main" id="{0C66174F-8800-0910-816C-32211AFB3DBD}"/>
+                    </a:ext>
+                  </a:extLst>
+                </p:cNvPr>
+                <p:cNvSpPr/>
+                <p:nvPr/>
+              </p:nvSpPr>
+              <p:spPr>
+                <a:xfrm>
+                  <a:off x="2528878" y="3322410"/>
+                  <a:ext cx="1079373" cy="678232"/>
+                </a:xfrm>
+                <a:prstGeom prst="roundRect">
+                  <a:avLst/>
+                </a:prstGeom>
+                <a:solidFill>
+                  <a:srgbClr val="00B050"/>
+                </a:solidFill>
+              </p:spPr>
+              <p:style>
+                <a:lnRef idx="2">
+                  <a:schemeClr val="accent1">
+                    <a:shade val="50000"/>
+                  </a:schemeClr>
+                </a:lnRef>
+                <a:fillRef idx="1">
+                  <a:schemeClr val="accent1"/>
+                </a:fillRef>
+                <a:effectRef idx="0">
+                  <a:schemeClr val="accent1"/>
+                </a:effectRef>
+                <a:fontRef idx="minor">
+                  <a:schemeClr val="lt1"/>
+                </a:fontRef>
+              </p:style>
+              <p:txBody>
+                <a:bodyPr rtlCol="0" anchor="ctr"/>
+                <a:lstStyle/>
+                <a:p>
+                  <a:pPr algn="ctr"/>
+                  <a:endParaRPr lang="en-US"/>
+                </a:p>
+              </p:txBody>
+            </p:sp>
+            <p:pic>
+              <p:nvPicPr>
+                <p:cNvPr id="62" name="Picture 61">
+                  <a:extLst>
+                    <a:ext uri="{FF2B5EF4-FFF2-40B4-BE49-F238E27FC236}">
+                      <a16:creationId xmlns:a16="http://schemas.microsoft.com/office/drawing/2014/main" id="{7CB4413D-8889-9B47-7CC3-47755CE73566}"/>
+                    </a:ext>
+                  </a:extLst>
+                </p:cNvPr>
+                <p:cNvPicPr>
+                  <a:picLocks noChangeAspect="1"/>
+                </p:cNvPicPr>
+                <p:nvPr/>
+              </p:nvPicPr>
+              <p:blipFill>
+                <a:blip r:embed="rId2">
+                  <a:extLst>
+                    <a:ext uri="{28A0092B-C50C-407E-A947-70E740481C1C}">
+                      <a14:useLocalDpi xmlns:a14="http://schemas.microsoft.com/office/drawing/2010/main" val="0"/>
+                    </a:ext>
+                    <a:ext uri="{837473B0-CC2E-450A-ABE3-18F120FF3D39}">
+                      <a1611:picAttrSrcUrl xmlns:a1611="http://schemas.microsoft.com/office/drawing/2016/11/main" r:id="rId3"/>
+                    </a:ext>
+                  </a:extLst>
+                </a:blip>
+                <a:stretch>
+                  <a:fillRect/>
+                </a:stretch>
+              </p:blipFill>
+              <p:spPr>
+                <a:xfrm>
+                  <a:off x="2640967" y="3376461"/>
+                  <a:ext cx="855193" cy="570129"/>
+                </a:xfrm>
+                <a:prstGeom prst="rect">
+                  <a:avLst/>
+                </a:prstGeom>
+              </p:spPr>
+            </p:pic>
+          </p:grpSp>
+        </p:grpSp>
+      </p:grpSp>
+    </p:spTree>
+    <p:extLst>
+      <p:ext uri="{BB962C8B-B14F-4D97-AF65-F5344CB8AC3E}">
+        <p14:creationId xmlns:p14="http://schemas.microsoft.com/office/powerpoint/2010/main" val="818256900"/>
+      </p:ext>
+    </p:extLst>
+  </p:cSld>
+  <p:clrMapOvr>
+    <a:masterClrMapping/>
+  </p:clrMapOvr>
+</p:sld>
+</file>
+
+<file path=ppt/slides/slide5.xml><?xml version="1.0" encoding="utf-8"?>
 <p:sld xmlns:a="http://schemas.openxmlformats.org/drawingml/2006/main" xmlns:r="http://schemas.openxmlformats.org/officeDocument/2006/relationships" xmlns:p="http://schemas.openxmlformats.org/presentationml/2006/main">
   <p:cSld>
     <p:spTree>
@@ -6902,7 +8725,7 @@
 </p:sld>
 </file>
 
-<file path=ppt/slides/slide5.xml><?xml version="1.0" encoding="utf-8"?>
+<file path=ppt/slides/slide6.xml><?xml version="1.0" encoding="utf-8"?>
 <p:sld xmlns:a="http://schemas.openxmlformats.org/drawingml/2006/main" xmlns:r="http://schemas.openxmlformats.org/officeDocument/2006/relationships" xmlns:p="http://schemas.openxmlformats.org/presentationml/2006/main">
   <p:cSld>
     <p:spTree>
@@ -8107,7 +9930,7 @@
 </p:sld>
 </file>
 
-<file path=ppt/slides/slide6.xml><?xml version="1.0" encoding="utf-8"?>
+<file path=ppt/slides/slide7.xml><?xml version="1.0" encoding="utf-8"?>
 <p:sld xmlns:a="http://schemas.openxmlformats.org/drawingml/2006/main" xmlns:r="http://schemas.openxmlformats.org/officeDocument/2006/relationships" xmlns:p="http://schemas.openxmlformats.org/presentationml/2006/main">
   <p:cSld>
     <p:spTree>
@@ -8908,7 +10731,7 @@
 </p:sld>
 </file>
 
-<file path=ppt/slides/slide7.xml><?xml version="1.0" encoding="utf-8"?>
+<file path=ppt/slides/slide8.xml><?xml version="1.0" encoding="utf-8"?>
 <p:sld xmlns:a="http://schemas.openxmlformats.org/drawingml/2006/main" xmlns:r="http://schemas.openxmlformats.org/officeDocument/2006/relationships" xmlns:p="http://schemas.openxmlformats.org/presentationml/2006/main">
   <p:cSld>
     <p:spTree>
@@ -10196,7 +12019,7 @@
 </p:sld>
 </file>
 
-<file path=ppt/slides/slide8.xml><?xml version="1.0" encoding="utf-8"?>
+<file path=ppt/slides/slide9.xml><?xml version="1.0" encoding="utf-8"?>
 <p:sld xmlns:a="http://schemas.openxmlformats.org/drawingml/2006/main" xmlns:r="http://schemas.openxmlformats.org/officeDocument/2006/relationships" xmlns:p="http://schemas.openxmlformats.org/presentationml/2006/main">
   <p:cSld>
     <p:spTree>
